--- a/ch.bfh.red.parent-doc/doc/cs1_tasks/task13_visitor_pattern/P_Task13_visitor_pattern.pptx
+++ b/ch.bfh.red.parent-doc/doc/cs1_tasks/task13_visitor_pattern/P_Task13_visitor_pattern.pptx
@@ -399,7 +399,7 @@
             <a:fld id="{989EECA0-FB30-554E-BB66-ECF4BC5A4840}" type="datetimeFigureOut">
               <a:rPr lang="de-DE" smtClean="0"/>
               <a:pPr/>
-              <a:t>13.05.2013</a:t>
+              <a:t>14.05.2013</a:t>
             </a:fld>
             <a:endParaRPr lang="de-DE"/>
           </a:p>
@@ -685,7 +685,7 @@
             <a:fld id="{989EECA0-FB30-554E-BB66-ECF4BC5A4840}" type="datetimeFigureOut">
               <a:rPr lang="de-DE" smtClean="0"/>
               <a:pPr/>
-              <a:t>13.05.2013</a:t>
+              <a:t>14.05.2013</a:t>
             </a:fld>
             <a:endParaRPr lang="de-DE"/>
           </a:p>
@@ -1109,7 +1109,7 @@
             <a:fld id="{989EECA0-FB30-554E-BB66-ECF4BC5A4840}" type="datetimeFigureOut">
               <a:rPr lang="de-DE" smtClean="0"/>
               <a:pPr/>
-              <a:t>13.05.2013</a:t>
+              <a:t>14.05.2013</a:t>
             </a:fld>
             <a:endParaRPr lang="de-DE"/>
           </a:p>
@@ -1528,7 +1528,7 @@
             <a:fld id="{989EECA0-FB30-554E-BB66-ECF4BC5A4840}" type="datetimeFigureOut">
               <a:rPr lang="de-DE" smtClean="0"/>
               <a:pPr/>
-              <a:t>13.05.2013</a:t>
+              <a:t>14.05.2013</a:t>
             </a:fld>
             <a:endParaRPr lang="de-DE"/>
           </a:p>
@@ -1663,7 +1663,7 @@
             <a:fld id="{989EECA0-FB30-554E-BB66-ECF4BC5A4840}" type="datetimeFigureOut">
               <a:rPr lang="de-DE" smtClean="0"/>
               <a:pPr/>
-              <a:t>13.05.2013</a:t>
+              <a:t>14.05.2013</a:t>
             </a:fld>
             <a:endParaRPr lang="de-DE"/>
           </a:p>
@@ -1987,7 +1987,7 @@
             <a:fld id="{989EECA0-FB30-554E-BB66-ECF4BC5A4840}" type="datetimeFigureOut">
               <a:rPr lang="de-DE" smtClean="0"/>
               <a:pPr/>
-              <a:t>13.05.2013</a:t>
+              <a:t>14.05.2013</a:t>
             </a:fld>
             <a:endParaRPr lang="de-DE"/>
           </a:p>
@@ -2233,7 +2233,7 @@
             <a:fld id="{989EECA0-FB30-554E-BB66-ECF4BC5A4840}" type="datetimeFigureOut">
               <a:rPr lang="de-DE" smtClean="0"/>
               <a:pPr/>
-              <a:t>13.05.2013</a:t>
+              <a:t>14.05.2013</a:t>
             </a:fld>
             <a:endParaRPr lang="de-DE"/>
           </a:p>
@@ -2573,7 +2573,7 @@
             <a:fld id="{989EECA0-FB30-554E-BB66-ECF4BC5A4840}" type="datetimeFigureOut">
               <a:rPr lang="de-DE" smtClean="0"/>
               <a:pPr/>
-              <a:t>13.05.2013</a:t>
+              <a:t>14.05.2013</a:t>
             </a:fld>
             <a:endParaRPr lang="de-DE"/>
           </a:p>
@@ -2875,7 +2875,7 @@
             <a:fld id="{989EECA0-FB30-554E-BB66-ECF4BC5A4840}" type="datetimeFigureOut">
               <a:rPr lang="de-DE" smtClean="0"/>
               <a:pPr/>
-              <a:t>13.05.2013</a:t>
+              <a:t>14.05.2013</a:t>
             </a:fld>
             <a:endParaRPr lang="de-DE"/>
           </a:p>
@@ -3284,7 +3284,7 @@
             <a:fld id="{989EECA0-FB30-554E-BB66-ECF4BC5A4840}" type="datetimeFigureOut">
               <a:rPr lang="de-DE" smtClean="0"/>
               <a:pPr/>
-              <a:t>13.05.2013</a:t>
+              <a:t>14.05.2013</a:t>
             </a:fld>
             <a:endParaRPr lang="de-DE"/>
           </a:p>
@@ -3508,7 +3508,7 @@
             <a:fld id="{989EECA0-FB30-554E-BB66-ECF4BC5A4840}" type="datetimeFigureOut">
               <a:rPr lang="de-DE" smtClean="0"/>
               <a:pPr/>
-              <a:t>13.05.2013</a:t>
+              <a:t>14.05.2013</a:t>
             </a:fld>
             <a:endParaRPr lang="de-DE"/>
           </a:p>
@@ -3684,7 +3684,7 @@
             <a:fld id="{989EECA0-FB30-554E-BB66-ECF4BC5A4840}" type="datetimeFigureOut">
               <a:rPr lang="de-DE" smtClean="0"/>
               <a:pPr/>
-              <a:t>13.05.2013</a:t>
+              <a:t>14.05.2013</a:t>
             </a:fld>
             <a:endParaRPr lang="de-DE"/>
           </a:p>
@@ -3960,7 +3960,7 @@
             <a:fld id="{989EECA0-FB30-554E-BB66-ECF4BC5A4840}" type="datetimeFigureOut">
               <a:rPr lang="de-DE" smtClean="0"/>
               <a:pPr/>
-              <a:t>13.05.2013</a:t>
+              <a:t>14.05.2013</a:t>
             </a:fld>
             <a:endParaRPr lang="de-DE"/>
           </a:p>
@@ -4296,7 +4296,7 @@
             <a:fld id="{989EECA0-FB30-554E-BB66-ECF4BC5A4840}" type="datetimeFigureOut">
               <a:rPr lang="de-DE" smtClean="0"/>
               <a:pPr/>
-              <a:t>13.05.2013</a:t>
+              <a:t>14.05.2013</a:t>
             </a:fld>
             <a:endParaRPr lang="de-DE"/>
           </a:p>
@@ -4590,7 +4590,7 @@
             <a:fld id="{989EECA0-FB30-554E-BB66-ECF4BC5A4840}" type="datetimeFigureOut">
               <a:rPr lang="de-DE" smtClean="0"/>
               <a:pPr/>
-              <a:t>13.05.2013</a:t>
+              <a:t>14.05.2013</a:t>
             </a:fld>
             <a:endParaRPr lang="de-DE"/>
           </a:p>
@@ -5219,7 +5219,7 @@
             <a:fld id="{989EECA0-FB30-554E-BB66-ECF4BC5A4840}" type="datetimeFigureOut">
               <a:rPr lang="de-DE" smtClean="0"/>
               <a:pPr/>
-              <a:t>13.05.2013</a:t>
+              <a:t>14.05.2013</a:t>
             </a:fld>
             <a:endParaRPr lang="de-DE"/>
           </a:p>
@@ -5708,7 +5708,7 @@
             <a:fld id="{989EECA0-FB30-554E-BB66-ECF4BC5A4840}" type="datetimeFigureOut">
               <a:rPr lang="de-DE" smtClean="0"/>
               <a:pPr/>
-              <a:t>13.05.2013</a:t>
+              <a:t>14.05.2013</a:t>
             </a:fld>
             <a:endParaRPr lang="de-DE"/>
           </a:p>
@@ -5958,7 +5958,7 @@
             <a:fld id="{989EECA0-FB30-554E-BB66-ECF4BC5A4840}" type="datetimeFigureOut">
               <a:rPr lang="de-DE" smtClean="0"/>
               <a:pPr/>
-              <a:t>13.05.2013</a:t>
+              <a:t>14.05.2013</a:t>
             </a:fld>
             <a:endParaRPr lang="de-DE"/>
           </a:p>
@@ -6454,7 +6454,7 @@
             <a:fld id="{989EECA0-FB30-554E-BB66-ECF4BC5A4840}" type="datetimeFigureOut">
               <a:rPr lang="de-DE" smtClean="0"/>
               <a:pPr/>
-              <a:t>13.05.2013</a:t>
+              <a:t>14.05.2013</a:t>
             </a:fld>
             <a:endParaRPr lang="de-DE" dirty="0"/>
           </a:p>
@@ -6811,11 +6811,7 @@
           <a:p>
             <a:r>
               <a:rPr lang="de-DE" dirty="0" smtClean="0"/>
-              <a:t>Task </a:t>
-            </a:r>
-            <a:r>
-              <a:rPr lang="de-DE" dirty="0" smtClean="0"/>
-              <a:t>13</a:t>
+              <a:t>Task 13</a:t>
             </a:r>
             <a:endParaRPr lang="de-DE" dirty="0"/>
           </a:p>
@@ -7087,6 +7083,13 @@
   <p:clrMapOvr>
     <a:masterClrMapping/>
   </p:clrMapOvr>
+  <p:timing>
+    <p:tnLst>
+      <p:par>
+        <p:cTn id="1" dur="indefinite" restart="never" nodeType="tmRoot"/>
+      </p:par>
+    </p:tnLst>
+  </p:timing>
 </p:sld>
 </file>
 
@@ -7158,6 +7161,13 @@
   <p:clrMapOvr>
     <a:masterClrMapping/>
   </p:clrMapOvr>
+  <p:timing>
+    <p:tnLst>
+      <p:par>
+        <p:cTn id="1" dur="indefinite" restart="never" nodeType="tmRoot"/>
+      </p:par>
+    </p:tnLst>
+  </p:timing>
 </p:sld>
 </file>
 
@@ -7305,6 +7315,13 @@
   <p:clrMapOvr>
     <a:masterClrMapping/>
   </p:clrMapOvr>
+  <p:timing>
+    <p:tnLst>
+      <p:par>
+        <p:cTn id="1" dur="indefinite" restart="never" nodeType="tmRoot"/>
+      </p:par>
+    </p:tnLst>
+  </p:timing>
 </p:sld>
 </file>
 
@@ -7345,8 +7362,8 @@
               <a:t>Mögliche </a:t>
             </a:r>
             <a:r>
-              <a:rPr lang="de-CH" dirty="0" err="1" smtClean="0"/>
-              <a:t>Implentationen</a:t>
+              <a:rPr lang="de-CH" dirty="0" smtClean="0"/>
+              <a:t>Implementationen</a:t>
             </a:r>
             <a:endParaRPr lang="de-CH" dirty="0"/>
           </a:p>
@@ -7391,6 +7408,13 @@
   <p:clrMapOvr>
     <a:masterClrMapping/>
   </p:clrMapOvr>
+  <p:timing>
+    <p:tnLst>
+      <p:par>
+        <p:cTn id="1" dur="indefinite" restart="never" nodeType="tmRoot"/>
+      </p:par>
+    </p:tnLst>
+  </p:timing>
 </p:sld>
 </file>
 
@@ -7485,6 +7509,13 @@
   <p:clrMapOvr>
     <a:masterClrMapping/>
   </p:clrMapOvr>
+  <p:timing>
+    <p:tnLst>
+      <p:par>
+        <p:cTn id="1" dur="indefinite" restart="never" nodeType="tmRoot"/>
+      </p:par>
+    </p:tnLst>
+  </p:timing>
 </p:sld>
 </file>
 
